--- a/plaquetteR_DMI.pptx
+++ b/plaquetteR_DMI.pptx
@@ -7,6 +7,8 @@
   <p:sldIdLst>
     <p:sldId id="256" r:id="rId2"/>
     <p:sldId id="258" r:id="rId3"/>
+    <p:sldId id="259" r:id="rId4"/>
+    <p:sldId id="260" r:id="rId5"/>
   </p:sldIdLst>
   <p:sldSz cx="12192000" cy="6858000"/>
   <p:notesSz cx="6858000" cy="9144000"/>
@@ -105,6 +107,11 @@
       </a:defRPr>
     </a:lvl9pPr>
   </p:defaultTextStyle>
+  <p:extLst>
+    <p:ext uri="{EFAFB233-063F-42B5-8137-9DF3F51BA10A}">
+      <p15:sldGuideLst xmlns:p15="http://schemas.microsoft.com/office/powerpoint/2012/main"/>
+    </p:ext>
+  </p:extLst>
 </p:presentation>
 </file>
 
@@ -7038,11 +7045,6 @@
               </a:rPr>
               <a:t>Division</a:t>
             </a:r>
-            <a:endParaRPr lang="fr-FR" sz="2800" b="1" dirty="0" smtClean="0">
-              <a:solidFill>
-                <a:schemeClr val="accent6"/>
-              </a:solidFill>
-            </a:endParaRPr>
           </a:p>
           <a:p>
             <a:pPr algn="ctr"/>
@@ -8192,7 +8194,7 @@
             <a:pPr algn="r"/>
             <a:r>
               <a:rPr lang="fr-FR" dirty="0" smtClean="0"/>
-              <a:t>Spécificité : </a:t>
+              <a:t>Certification : ISO TS 16949 &amp; ISO 9001</a:t>
             </a:r>
             <a:endParaRPr lang="fr-FR" dirty="0"/>
           </a:p>
@@ -8244,8 +8246,9 @@
             <a:pPr algn="r"/>
             <a:r>
               <a:rPr lang="fr-FR" dirty="0" smtClean="0"/>
-              <a:t>Spécificité : </a:t>
-            </a:r>
+              <a:t>Certification : ISO 9001</a:t>
+            </a:r>
+            <a:endParaRPr lang="fr-FR" dirty="0" smtClean="0"/>
           </a:p>
           <a:p>
             <a:pPr algn="r"/>
@@ -8270,6 +8273,196 @@
       </p:par>
     </p:tnLst>
   </p:timing>
+</p:sld>
+</file>
+
+<file path=ppt/slides/slide3.xml><?xml version="1.0" encoding="utf-8"?>
+<p:sld xmlns:a="http://schemas.openxmlformats.org/drawingml/2006/main" xmlns:r="http://schemas.openxmlformats.org/officeDocument/2006/relationships" xmlns:p="http://schemas.openxmlformats.org/presentationml/2006/main">
+  <p:cSld>
+    <p:spTree>
+      <p:nvGrpSpPr>
+        <p:cNvPr id="1" name=""/>
+        <p:cNvGrpSpPr/>
+        <p:nvPr/>
+      </p:nvGrpSpPr>
+      <p:grpSpPr>
+        <a:xfrm>
+          <a:off x="0" y="0"/>
+          <a:ext cx="0" cy="0"/>
+          <a:chOff x="0" y="0"/>
+          <a:chExt cx="0" cy="0"/>
+        </a:xfrm>
+      </p:grpSpPr>
+      <p:sp>
+        <p:nvSpPr>
+          <p:cNvPr id="2" name="Titre 1"/>
+          <p:cNvSpPr>
+            <a:spLocks noGrp="1"/>
+          </p:cNvSpPr>
+          <p:nvPr>
+            <p:ph type="title"/>
+          </p:nvPr>
+        </p:nvSpPr>
+        <p:spPr/>
+        <p:txBody>
+          <a:bodyPr/>
+          <a:lstStyle/>
+          <a:p>
+            <a:r>
+              <a:rPr lang="fr-FR" dirty="0" smtClean="0"/>
+              <a:t>Division Ressorts</a:t>
+            </a:r>
+            <a:endParaRPr lang="fr-FR" dirty="0"/>
+          </a:p>
+        </p:txBody>
+      </p:sp>
+      <p:sp>
+        <p:nvSpPr>
+          <p:cNvPr id="3" name="Espace réservé du contenu 2"/>
+          <p:cNvSpPr>
+            <a:spLocks noGrp="1"/>
+          </p:cNvSpPr>
+          <p:nvPr>
+            <p:ph idx="1"/>
+          </p:nvPr>
+        </p:nvSpPr>
+        <p:spPr/>
+        <p:txBody>
+          <a:bodyPr/>
+          <a:lstStyle/>
+          <a:p>
+            <a:r>
+              <a:rPr lang="fr-FR" dirty="0" smtClean="0"/>
+              <a:t>3 000 000 de Ressorts Fabriqués par jour</a:t>
+            </a:r>
+          </a:p>
+          <a:p>
+            <a:r>
+              <a:rPr lang="fr-FR" dirty="0" smtClean="0"/>
+              <a:t>Plus de 100 Machines mécaniques et numériques</a:t>
+            </a:r>
+          </a:p>
+          <a:p>
+            <a:endParaRPr lang="fr-FR" dirty="0"/>
+          </a:p>
+        </p:txBody>
+      </p:sp>
+      <p:sp>
+        <p:nvSpPr>
+          <p:cNvPr id="4" name="Espace réservé du texte 3"/>
+          <p:cNvSpPr>
+            <a:spLocks noGrp="1"/>
+          </p:cNvSpPr>
+          <p:nvPr>
+            <p:ph type="body" sz="half" idx="2"/>
+          </p:nvPr>
+        </p:nvSpPr>
+        <p:spPr/>
+        <p:txBody>
+          <a:bodyPr/>
+          <a:lstStyle/>
+          <a:p>
+            <a:endParaRPr lang="fr-FR"/>
+          </a:p>
+        </p:txBody>
+      </p:sp>
+    </p:spTree>
+    <p:extLst>
+      <p:ext uri="{BB962C8B-B14F-4D97-AF65-F5344CB8AC3E}">
+        <p14:creationId xmlns:p14="http://schemas.microsoft.com/office/powerpoint/2010/main" val="4256275205"/>
+      </p:ext>
+    </p:extLst>
+  </p:cSld>
+  <p:clrMapOvr>
+    <a:masterClrMapping/>
+  </p:clrMapOvr>
+</p:sld>
+</file>
+
+<file path=ppt/slides/slide4.xml><?xml version="1.0" encoding="utf-8"?>
+<p:sld xmlns:a="http://schemas.openxmlformats.org/drawingml/2006/main" xmlns:r="http://schemas.openxmlformats.org/officeDocument/2006/relationships" xmlns:p="http://schemas.openxmlformats.org/presentationml/2006/main">
+  <p:cSld>
+    <p:spTree>
+      <p:nvGrpSpPr>
+        <p:cNvPr id="1" name=""/>
+        <p:cNvGrpSpPr/>
+        <p:nvPr/>
+      </p:nvGrpSpPr>
+      <p:grpSpPr>
+        <a:xfrm>
+          <a:off x="0" y="0"/>
+          <a:ext cx="0" cy="0"/>
+          <a:chOff x="0" y="0"/>
+          <a:chExt cx="0" cy="0"/>
+        </a:xfrm>
+      </p:grpSpPr>
+      <p:sp>
+        <p:nvSpPr>
+          <p:cNvPr id="2" name="Titre 1"/>
+          <p:cNvSpPr>
+            <a:spLocks noGrp="1"/>
+          </p:cNvSpPr>
+          <p:nvPr>
+            <p:ph type="title"/>
+          </p:nvPr>
+        </p:nvSpPr>
+        <p:spPr/>
+        <p:txBody>
+          <a:bodyPr/>
+          <a:lstStyle/>
+          <a:p>
+            <a:endParaRPr lang="fr-FR"/>
+          </a:p>
+        </p:txBody>
+      </p:sp>
+      <p:sp>
+        <p:nvSpPr>
+          <p:cNvPr id="3" name="Espace réservé du contenu 2"/>
+          <p:cNvSpPr>
+            <a:spLocks noGrp="1"/>
+          </p:cNvSpPr>
+          <p:nvPr>
+            <p:ph sz="half" idx="1"/>
+          </p:nvPr>
+        </p:nvSpPr>
+        <p:spPr/>
+        <p:txBody>
+          <a:bodyPr/>
+          <a:lstStyle/>
+          <a:p>
+            <a:endParaRPr lang="fr-FR"/>
+          </a:p>
+        </p:txBody>
+      </p:sp>
+      <p:sp>
+        <p:nvSpPr>
+          <p:cNvPr id="4" name="Espace réservé du contenu 3"/>
+          <p:cNvSpPr>
+            <a:spLocks noGrp="1"/>
+          </p:cNvSpPr>
+          <p:nvPr>
+            <p:ph sz="half" idx="2"/>
+          </p:nvPr>
+        </p:nvSpPr>
+        <p:spPr/>
+        <p:txBody>
+          <a:bodyPr/>
+          <a:lstStyle/>
+          <a:p>
+            <a:endParaRPr lang="fr-FR"/>
+          </a:p>
+        </p:txBody>
+      </p:sp>
+    </p:spTree>
+    <p:extLst>
+      <p:ext uri="{BB962C8B-B14F-4D97-AF65-F5344CB8AC3E}">
+        <p14:creationId xmlns:p14="http://schemas.microsoft.com/office/powerpoint/2010/main" val="856728969"/>
+      </p:ext>
+    </p:extLst>
+  </p:cSld>
+  <p:clrMapOvr>
+    <a:masterClrMapping/>
+  </p:clrMapOvr>
 </p:sld>
 </file>
 
